--- a/Presentation/Internship_Oscar_Veldman.pptx
+++ b/Presentation/Internship_Oscar_Veldman.pptx
@@ -5922,7 +5922,7 @@
           <a:p>
             <a:r>
               <a:rPr lang="en-US" dirty="0"/>
-              <a:t>You can analyze an assignment based on a research question. You use methods and technique that exists. Also, you can run a requirement analyze for a part of the software system with multiple stack holders.  You must consider with the high-quality standards.</a:t>
+              <a:t>You can analyze an assignment based on a research question. You use methods and technique that exists. Also, you can run a requirement analyze for a part of the software system with multiple stake holders.  You must consider with the high-quality standards.</a:t>
             </a:r>
           </a:p>
           <a:p>
@@ -6366,25 +6366,31 @@
           </a:p>
         </p:txBody>
       </p:sp>
-      <p:sp>
-        <p:nvSpPr>
-          <p:cNvPr id="3" name="Content Placeholder 2"/>
-          <p:cNvSpPr>
-            <a:spLocks noGrp="1"/>
-          </p:cNvSpPr>
+      <p:pic>
+        <p:nvPicPr>
+          <p:cNvPr id="4" name="Content Placeholder 3">
+            <a:hlinkClick r:id="rId2" action="ppaction://hlinkfile"/>
+          </p:cNvPr>
+          <p:cNvPicPr>
+            <a:picLocks noGrp="1" noChangeAspect="1"/>
+          </p:cNvPicPr>
           <p:nvPr>
             <p:ph idx="1"/>
           </p:nvPr>
-        </p:nvSpPr>
-        <p:spPr/>
-        <p:txBody>
-          <a:bodyPr/>
-          <a:lstStyle/>
-          <a:p>
-            <a:endParaRPr lang="nl-NL" dirty="0"/>
-          </a:p>
-        </p:txBody>
-      </p:sp>
+        </p:nvPicPr>
+        <p:blipFill>
+          <a:blip r:embed="rId3"/>
+          <a:stretch>
+            <a:fillRect/>
+          </a:stretch>
+        </p:blipFill>
+        <p:spPr>
+          <a:xfrm>
+            <a:off x="2933258" y="2729500"/>
+            <a:ext cx="6325483" cy="2953162"/>
+          </a:xfrm>
+        </p:spPr>
+      </p:pic>
     </p:spTree>
     <p:extLst>
       <p:ext uri="{BB962C8B-B14F-4D97-AF65-F5344CB8AC3E}">
@@ -7249,7 +7255,7 @@
             </a:pPr>
             <a:r>
               <a:rPr lang="en-US" dirty="0"/>
-              <a:t>In the end of my internship I can write good and writeable rapport .</a:t>
+              <a:t>In the end of my internship I can write good and readable rapport .</a:t>
             </a:r>
           </a:p>
         </p:txBody>

--- a/Presentation/Internship_Oscar_Veldman.pptx
+++ b/Presentation/Internship_Oscar_Veldman.pptx
@@ -298,7 +298,7 @@
           <a:p>
             <a:fld id="{48A87A34-81AB-432B-8DAE-1953F412C126}" type="datetimeFigureOut">
               <a:rPr lang="en-US" dirty="0"/>
-              <a:t>1/17/2017</a:t>
+              <a:t>1/18/2017</a:t>
             </a:fld>
             <a:endParaRPr lang="en-US" dirty="0"/>
           </a:p>
@@ -560,7 +560,7 @@
           <a:p>
             <a:fld id="{48A87A34-81AB-432B-8DAE-1953F412C126}" type="datetimeFigureOut">
               <a:rPr lang="en-US" dirty="0"/>
-              <a:t>1/17/2017</a:t>
+              <a:t>1/18/2017</a:t>
             </a:fld>
             <a:endParaRPr lang="en-US" dirty="0"/>
           </a:p>
@@ -787,7 +787,7 @@
             <a:fld id="{48A87A34-81AB-432B-8DAE-1953F412C126}" type="datetimeFigureOut">
               <a:rPr lang="en-US" dirty="0"/>
               <a:pPr/>
-              <a:t>1/17/2017</a:t>
+              <a:t>1/18/2017</a:t>
             </a:fld>
             <a:endParaRPr lang="en-US" dirty="0"/>
           </a:p>
@@ -1093,7 +1093,7 @@
             <a:fld id="{48A87A34-81AB-432B-8DAE-1953F412C126}" type="datetimeFigureOut">
               <a:rPr lang="en-US" dirty="0"/>
               <a:pPr/>
-              <a:t>1/17/2017</a:t>
+              <a:t>1/18/2017</a:t>
             </a:fld>
             <a:endParaRPr lang="en-US" dirty="0"/>
           </a:p>
@@ -1562,7 +1562,7 @@
             <a:fld id="{48A87A34-81AB-432B-8DAE-1953F412C126}" type="datetimeFigureOut">
               <a:rPr lang="en-US" dirty="0"/>
               <a:pPr/>
-              <a:t>1/17/2017</a:t>
+              <a:t>1/18/2017</a:t>
             </a:fld>
             <a:endParaRPr lang="en-US" dirty="0"/>
           </a:p>
@@ -2104,7 +2104,7 @@
           <a:p>
             <a:fld id="{48A87A34-81AB-432B-8DAE-1953F412C126}" type="datetimeFigureOut">
               <a:rPr lang="en-US" dirty="0"/>
-              <a:t>1/17/2017</a:t>
+              <a:t>1/18/2017</a:t>
             </a:fld>
             <a:endParaRPr lang="en-US" dirty="0"/>
           </a:p>
@@ -2873,7 +2873,7 @@
           <a:p>
             <a:fld id="{48A87A34-81AB-432B-8DAE-1953F412C126}" type="datetimeFigureOut">
               <a:rPr lang="en-US" dirty="0"/>
-              <a:t>1/17/2017</a:t>
+              <a:t>1/18/2017</a:t>
             </a:fld>
             <a:endParaRPr lang="en-US" dirty="0"/>
           </a:p>
@@ -3043,7 +3043,7 @@
           <a:p>
             <a:fld id="{48A87A34-81AB-432B-8DAE-1953F412C126}" type="datetimeFigureOut">
               <a:rPr lang="en-US" dirty="0"/>
-              <a:t>1/17/2017</a:t>
+              <a:t>1/18/2017</a:t>
             </a:fld>
             <a:endParaRPr lang="en-US" dirty="0"/>
           </a:p>
@@ -3262,7 +3262,7 @@
             <a:fld id="{48A87A34-81AB-432B-8DAE-1953F412C126}" type="datetimeFigureOut">
               <a:rPr lang="en-US" dirty="0"/>
               <a:pPr/>
-              <a:t>1/17/2017</a:t>
+              <a:t>1/18/2017</a:t>
             </a:fld>
             <a:endParaRPr lang="en-US" dirty="0"/>
           </a:p>
@@ -3437,7 +3437,7 @@
           <a:p>
             <a:fld id="{48A87A34-81AB-432B-8DAE-1953F412C126}" type="datetimeFigureOut">
               <a:rPr lang="en-US" dirty="0"/>
-              <a:t>1/17/2017</a:t>
+              <a:t>1/18/2017</a:t>
             </a:fld>
             <a:endParaRPr lang="en-US" dirty="0"/>
           </a:p>
@@ -3722,7 +3722,7 @@
             <a:fld id="{48A87A34-81AB-432B-8DAE-1953F412C126}" type="datetimeFigureOut">
               <a:rPr lang="en-US" dirty="0"/>
               <a:pPr/>
-              <a:t>1/17/2017</a:t>
+              <a:t>1/18/2017</a:t>
             </a:fld>
             <a:endParaRPr lang="en-US" dirty="0"/>
           </a:p>
@@ -3959,7 +3959,7 @@
           <a:p>
             <a:fld id="{48A87A34-81AB-432B-8DAE-1953F412C126}" type="datetimeFigureOut">
               <a:rPr lang="en-US" dirty="0"/>
-              <a:t>1/17/2017</a:t>
+              <a:t>1/18/2017</a:t>
             </a:fld>
             <a:endParaRPr lang="en-US" dirty="0"/>
           </a:p>
@@ -4333,7 +4333,7 @@
           <a:p>
             <a:fld id="{48A87A34-81AB-432B-8DAE-1953F412C126}" type="datetimeFigureOut">
               <a:rPr lang="en-US" dirty="0"/>
-              <a:t>1/17/2017</a:t>
+              <a:t>1/18/2017</a:t>
             </a:fld>
             <a:endParaRPr lang="en-US" dirty="0"/>
           </a:p>
@@ -4446,7 +4446,7 @@
           <a:p>
             <a:fld id="{48A87A34-81AB-432B-8DAE-1953F412C126}" type="datetimeFigureOut">
               <a:rPr lang="en-US" dirty="0"/>
-              <a:t>1/17/2017</a:t>
+              <a:t>1/18/2017</a:t>
             </a:fld>
             <a:endParaRPr lang="en-US" dirty="0"/>
           </a:p>
@@ -4536,7 +4536,7 @@
           <a:p>
             <a:fld id="{48A87A34-81AB-432B-8DAE-1953F412C126}" type="datetimeFigureOut">
               <a:rPr lang="en-US" dirty="0"/>
-              <a:t>1/17/2017</a:t>
+              <a:t>1/18/2017</a:t>
             </a:fld>
             <a:endParaRPr lang="en-US" dirty="0"/>
           </a:p>
@@ -4780,7 +4780,7 @@
           <a:p>
             <a:fld id="{48A87A34-81AB-432B-8DAE-1953F412C126}" type="datetimeFigureOut">
               <a:rPr lang="en-US" dirty="0"/>
-              <a:t>1/17/2017</a:t>
+              <a:t>1/18/2017</a:t>
             </a:fld>
             <a:endParaRPr lang="en-US" dirty="0"/>
           </a:p>
@@ -5032,7 +5032,7 @@
           <a:p>
             <a:fld id="{48A87A34-81AB-432B-8DAE-1953F412C126}" type="datetimeFigureOut">
               <a:rPr lang="en-US" dirty="0"/>
-              <a:t>1/17/2017</a:t>
+              <a:t>1/18/2017</a:t>
             </a:fld>
             <a:endParaRPr lang="en-US" dirty="0"/>
           </a:p>
@@ -5271,7 +5271,7 @@
             <a:fld id="{48A87A34-81AB-432B-8DAE-1953F412C126}" type="datetimeFigureOut">
               <a:rPr lang="en-US" dirty="0"/>
               <a:pPr/>
-              <a:t>1/17/2017</a:t>
+              <a:t>1/18/2017</a:t>
             </a:fld>
             <a:endParaRPr lang="en-US" dirty="0"/>
           </a:p>
@@ -6461,7 +6461,7 @@
           <a:p>
             <a:r>
               <a:rPr lang="en-US" dirty="0"/>
-              <a:t>Questions or comments?</a:t>
+              <a:t>Any questions or comments?</a:t>
             </a:r>
             <a:endParaRPr lang="nl-NL" dirty="0"/>
           </a:p>

--- a/Presentation/Internship_Oscar_Veldman.pptx
+++ b/Presentation/Internship_Oscar_Veldman.pptx
@@ -6685,6 +6685,177 @@
           </a:p>
         </p:txBody>
       </p:sp>
+      <p:pic>
+        <p:nvPicPr>
+          <p:cNvPr id="1026" name="Picture 2" descr="https://camo.githubusercontent.com/682541f39216718f231683a21e0b131a67d532c3/68747470733a2f2f73332d75732d776573742d322e616d617a6f6e6177732e636f6d2f7465737464726976656e6c6561726e696e676275636b65742f4353484152502e706e67"/>
+          <p:cNvPicPr>
+            <a:picLocks noChangeAspect="1" noChangeArrowheads="1"/>
+          </p:cNvPicPr>
+          <p:nvPr/>
+        </p:nvPicPr>
+        <p:blipFill>
+          <a:blip r:embed="rId2">
+            <a:extLst>
+              <a:ext uri="{28A0092B-C50C-407E-A947-70E740481C1C}">
+                <a14:useLocalDpi xmlns:a14="http://schemas.microsoft.com/office/drawing/2010/main" val="0"/>
+              </a:ext>
+            </a:extLst>
+          </a:blip>
+          <a:srcRect/>
+          <a:stretch>
+            <a:fillRect/>
+          </a:stretch>
+        </p:blipFill>
+        <p:spPr bwMode="auto">
+          <a:xfrm>
+            <a:off x="9413490" y="3199820"/>
+            <a:ext cx="1380892" cy="1380892"/>
+          </a:xfrm>
+          <a:prstGeom prst="rect">
+            <a:avLst/>
+          </a:prstGeom>
+          <a:noFill/>
+          <a:extLst>
+            <a:ext uri="{909E8E84-426E-40DD-AFC4-6F175D3DCCD1}">
+              <a14:hiddenFill xmlns:a14="http://schemas.microsoft.com/office/drawing/2010/main">
+                <a:solidFill>
+                  <a:srgbClr val="FFFFFF"/>
+                </a:solidFill>
+              </a14:hiddenFill>
+            </a:ext>
+          </a:extLst>
+        </p:spPr>
+      </p:pic>
+      <p:pic>
+        <p:nvPicPr>
+          <p:cNvPr id="1028" name="Picture 4" descr="https://upload.wikimedia.org/wikipedia/commons/b/b8/Nunit_logo_250.png"/>
+          <p:cNvPicPr>
+            <a:picLocks noChangeAspect="1" noChangeArrowheads="1"/>
+          </p:cNvPicPr>
+          <p:nvPr/>
+        </p:nvPicPr>
+        <p:blipFill>
+          <a:blip r:embed="rId3">
+            <a:extLst>
+              <a:ext uri="{28A0092B-C50C-407E-A947-70E740481C1C}">
+                <a14:useLocalDpi xmlns:a14="http://schemas.microsoft.com/office/drawing/2010/main" val="0"/>
+              </a:ext>
+            </a:extLst>
+          </a:blip>
+          <a:srcRect/>
+          <a:stretch>
+            <a:fillRect/>
+          </a:stretch>
+        </p:blipFill>
+        <p:spPr bwMode="auto">
+          <a:xfrm>
+            <a:off x="8913311" y="4996228"/>
+            <a:ext cx="2381250" cy="990600"/>
+          </a:xfrm>
+          <a:prstGeom prst="rect">
+            <a:avLst/>
+          </a:prstGeom>
+          <a:noFill/>
+          <a:extLst>
+            <a:ext uri="{909E8E84-426E-40DD-AFC4-6F175D3DCCD1}">
+              <a14:hiddenFill xmlns:a14="http://schemas.microsoft.com/office/drawing/2010/main">
+                <a:solidFill>
+                  <a:srgbClr val="FFFFFF"/>
+                </a:solidFill>
+              </a14:hiddenFill>
+            </a:ext>
+          </a:extLst>
+        </p:spPr>
+      </p:pic>
+      <p:pic>
+        <p:nvPicPr>
+          <p:cNvPr id="4" name="Picture 3"/>
+          <p:cNvPicPr>
+            <a:picLocks noChangeAspect="1"/>
+          </p:cNvPicPr>
+          <p:nvPr/>
+        </p:nvPicPr>
+        <p:blipFill>
+          <a:blip r:embed="rId4"/>
+          <a:stretch>
+            <a:fillRect/>
+          </a:stretch>
+        </p:blipFill>
+        <p:spPr>
+          <a:xfrm>
+            <a:off x="5583393" y="3588988"/>
+            <a:ext cx="2513786" cy="602556"/>
+          </a:xfrm>
+          <a:prstGeom prst="rect">
+            <a:avLst/>
+          </a:prstGeom>
+        </p:spPr>
+      </p:pic>
+      <p:pic>
+        <p:nvPicPr>
+          <p:cNvPr id="1030" name="Picture 6" descr="https://azure.microsoft.com/svghandler/visual-studio-team-services/?width=600&amp;height=315"/>
+          <p:cNvPicPr>
+            <a:picLocks noChangeAspect="1" noChangeArrowheads="1"/>
+          </p:cNvPicPr>
+          <p:nvPr/>
+        </p:nvPicPr>
+        <p:blipFill>
+          <a:blip r:embed="rId5">
+            <a:extLst>
+              <a:ext uri="{28A0092B-C50C-407E-A947-70E740481C1C}">
+                <a14:useLocalDpi xmlns:a14="http://schemas.microsoft.com/office/drawing/2010/main" val="0"/>
+              </a:ext>
+            </a:extLst>
+          </a:blip>
+          <a:srcRect/>
+          <a:stretch>
+            <a:fillRect/>
+          </a:stretch>
+        </p:blipFill>
+        <p:spPr bwMode="auto">
+          <a:xfrm>
+            <a:off x="5872453" y="4983415"/>
+            <a:ext cx="1935666" cy="1016225"/>
+          </a:xfrm>
+          <a:prstGeom prst="rect">
+            <a:avLst/>
+          </a:prstGeom>
+          <a:noFill/>
+          <a:extLst>
+            <a:ext uri="{909E8E84-426E-40DD-AFC4-6F175D3DCCD1}">
+              <a14:hiddenFill xmlns:a14="http://schemas.microsoft.com/office/drawing/2010/main">
+                <a:solidFill>
+                  <a:srgbClr val="FFFFFF"/>
+                </a:solidFill>
+              </a14:hiddenFill>
+            </a:ext>
+          </a:extLst>
+        </p:spPr>
+      </p:pic>
+      <p:pic>
+        <p:nvPicPr>
+          <p:cNvPr id="5" name="Picture 4"/>
+          <p:cNvPicPr>
+            <a:picLocks noChangeAspect="1"/>
+          </p:cNvPicPr>
+          <p:nvPr/>
+        </p:nvPicPr>
+        <p:blipFill>
+          <a:blip r:embed="rId6"/>
+          <a:stretch>
+            <a:fillRect/>
+          </a:stretch>
+        </p:blipFill>
+        <p:spPr>
+          <a:xfrm>
+            <a:off x="7808119" y="1815077"/>
+            <a:ext cx="1938454" cy="969227"/>
+          </a:xfrm>
+          <a:prstGeom prst="rect">
+            <a:avLst/>
+          </a:prstGeom>
+        </p:spPr>
+      </p:pic>
     </p:spTree>
     <p:extLst>
       <p:ext uri="{BB962C8B-B14F-4D97-AF65-F5344CB8AC3E}">

--- a/Presentation/Internship_Oscar_Veldman.pptx
+++ b/Presentation/Internship_Oscar_Veldman.pptx
@@ -298,7 +298,7 @@
           <a:p>
             <a:fld id="{48A87A34-81AB-432B-8DAE-1953F412C126}" type="datetimeFigureOut">
               <a:rPr lang="en-US" dirty="0"/>
-              <a:t>1/18/2017</a:t>
+              <a:t>1/19/2017</a:t>
             </a:fld>
             <a:endParaRPr lang="en-US" dirty="0"/>
           </a:p>
@@ -560,7 +560,7 @@
           <a:p>
             <a:fld id="{48A87A34-81AB-432B-8DAE-1953F412C126}" type="datetimeFigureOut">
               <a:rPr lang="en-US" dirty="0"/>
-              <a:t>1/18/2017</a:t>
+              <a:t>1/19/2017</a:t>
             </a:fld>
             <a:endParaRPr lang="en-US" dirty="0"/>
           </a:p>
@@ -787,7 +787,7 @@
             <a:fld id="{48A87A34-81AB-432B-8DAE-1953F412C126}" type="datetimeFigureOut">
               <a:rPr lang="en-US" dirty="0"/>
               <a:pPr/>
-              <a:t>1/18/2017</a:t>
+              <a:t>1/19/2017</a:t>
             </a:fld>
             <a:endParaRPr lang="en-US" dirty="0"/>
           </a:p>
@@ -1093,7 +1093,7 @@
             <a:fld id="{48A87A34-81AB-432B-8DAE-1953F412C126}" type="datetimeFigureOut">
               <a:rPr lang="en-US" dirty="0"/>
               <a:pPr/>
-              <a:t>1/18/2017</a:t>
+              <a:t>1/19/2017</a:t>
             </a:fld>
             <a:endParaRPr lang="en-US" dirty="0"/>
           </a:p>
@@ -1562,7 +1562,7 @@
             <a:fld id="{48A87A34-81AB-432B-8DAE-1953F412C126}" type="datetimeFigureOut">
               <a:rPr lang="en-US" dirty="0"/>
               <a:pPr/>
-              <a:t>1/18/2017</a:t>
+              <a:t>1/19/2017</a:t>
             </a:fld>
             <a:endParaRPr lang="en-US" dirty="0"/>
           </a:p>
@@ -2104,7 +2104,7 @@
           <a:p>
             <a:fld id="{48A87A34-81AB-432B-8DAE-1953F412C126}" type="datetimeFigureOut">
               <a:rPr lang="en-US" dirty="0"/>
-              <a:t>1/18/2017</a:t>
+              <a:t>1/19/2017</a:t>
             </a:fld>
             <a:endParaRPr lang="en-US" dirty="0"/>
           </a:p>
@@ -2873,7 +2873,7 @@
           <a:p>
             <a:fld id="{48A87A34-81AB-432B-8DAE-1953F412C126}" type="datetimeFigureOut">
               <a:rPr lang="en-US" dirty="0"/>
-              <a:t>1/18/2017</a:t>
+              <a:t>1/19/2017</a:t>
             </a:fld>
             <a:endParaRPr lang="en-US" dirty="0"/>
           </a:p>
@@ -3043,7 +3043,7 @@
           <a:p>
             <a:fld id="{48A87A34-81AB-432B-8DAE-1953F412C126}" type="datetimeFigureOut">
               <a:rPr lang="en-US" dirty="0"/>
-              <a:t>1/18/2017</a:t>
+              <a:t>1/19/2017</a:t>
             </a:fld>
             <a:endParaRPr lang="en-US" dirty="0"/>
           </a:p>
@@ -3262,7 +3262,7 @@
             <a:fld id="{48A87A34-81AB-432B-8DAE-1953F412C126}" type="datetimeFigureOut">
               <a:rPr lang="en-US" dirty="0"/>
               <a:pPr/>
-              <a:t>1/18/2017</a:t>
+              <a:t>1/19/2017</a:t>
             </a:fld>
             <a:endParaRPr lang="en-US" dirty="0"/>
           </a:p>
@@ -3437,7 +3437,7 @@
           <a:p>
             <a:fld id="{48A87A34-81AB-432B-8DAE-1953F412C126}" type="datetimeFigureOut">
               <a:rPr lang="en-US" dirty="0"/>
-              <a:t>1/18/2017</a:t>
+              <a:t>1/19/2017</a:t>
             </a:fld>
             <a:endParaRPr lang="en-US" dirty="0"/>
           </a:p>
@@ -3722,7 +3722,7 @@
             <a:fld id="{48A87A34-81AB-432B-8DAE-1953F412C126}" type="datetimeFigureOut">
               <a:rPr lang="en-US" dirty="0"/>
               <a:pPr/>
-              <a:t>1/18/2017</a:t>
+              <a:t>1/19/2017</a:t>
             </a:fld>
             <a:endParaRPr lang="en-US" dirty="0"/>
           </a:p>
@@ -3959,7 +3959,7 @@
           <a:p>
             <a:fld id="{48A87A34-81AB-432B-8DAE-1953F412C126}" type="datetimeFigureOut">
               <a:rPr lang="en-US" dirty="0"/>
-              <a:t>1/18/2017</a:t>
+              <a:t>1/19/2017</a:t>
             </a:fld>
             <a:endParaRPr lang="en-US" dirty="0"/>
           </a:p>
@@ -4333,7 +4333,7 @@
           <a:p>
             <a:fld id="{48A87A34-81AB-432B-8DAE-1953F412C126}" type="datetimeFigureOut">
               <a:rPr lang="en-US" dirty="0"/>
-              <a:t>1/18/2017</a:t>
+              <a:t>1/19/2017</a:t>
             </a:fld>
             <a:endParaRPr lang="en-US" dirty="0"/>
           </a:p>
@@ -4446,7 +4446,7 @@
           <a:p>
             <a:fld id="{48A87A34-81AB-432B-8DAE-1953F412C126}" type="datetimeFigureOut">
               <a:rPr lang="en-US" dirty="0"/>
-              <a:t>1/18/2017</a:t>
+              <a:t>1/19/2017</a:t>
             </a:fld>
             <a:endParaRPr lang="en-US" dirty="0"/>
           </a:p>
@@ -4536,7 +4536,7 @@
           <a:p>
             <a:fld id="{48A87A34-81AB-432B-8DAE-1953F412C126}" type="datetimeFigureOut">
               <a:rPr lang="en-US" dirty="0"/>
-              <a:t>1/18/2017</a:t>
+              <a:t>1/19/2017</a:t>
             </a:fld>
             <a:endParaRPr lang="en-US" dirty="0"/>
           </a:p>
@@ -4780,7 +4780,7 @@
           <a:p>
             <a:fld id="{48A87A34-81AB-432B-8DAE-1953F412C126}" type="datetimeFigureOut">
               <a:rPr lang="en-US" dirty="0"/>
-              <a:t>1/18/2017</a:t>
+              <a:t>1/19/2017</a:t>
             </a:fld>
             <a:endParaRPr lang="en-US" dirty="0"/>
           </a:p>
@@ -5032,7 +5032,7 @@
           <a:p>
             <a:fld id="{48A87A34-81AB-432B-8DAE-1953F412C126}" type="datetimeFigureOut">
               <a:rPr lang="en-US" dirty="0"/>
-              <a:t>1/18/2017</a:t>
+              <a:t>1/19/2017</a:t>
             </a:fld>
             <a:endParaRPr lang="en-US" dirty="0"/>
           </a:p>
@@ -5271,7 +5271,7 @@
             <a:fld id="{48A87A34-81AB-432B-8DAE-1953F412C126}" type="datetimeFigureOut">
               <a:rPr lang="en-US" dirty="0"/>
               <a:pPr/>
-              <a:t>1/18/2017</a:t>
+              <a:t>1/19/2017</a:t>
             </a:fld>
             <a:endParaRPr lang="en-US" dirty="0"/>
           </a:p>
@@ -7170,14 +7170,16 @@
       </p:pic>
       <p:pic>
         <p:nvPicPr>
-          <p:cNvPr id="5" name="Picture 4"/>
+          <p:cNvPr id="5" name="Picture 4">
+            <a:hlinkClick r:id="rId4" action="ppaction://hlinkfile"/>
+          </p:cNvPr>
           <p:cNvPicPr>
             <a:picLocks noChangeAspect="1"/>
           </p:cNvPicPr>
           <p:nvPr/>
         </p:nvPicPr>
         <p:blipFill>
-          <a:blip r:embed="rId4"/>
+          <a:blip r:embed="rId5"/>
           <a:stretch>
             <a:fillRect/>
           </a:stretch>
@@ -7268,13 +7270,17 @@
             </a:r>
           </a:p>
           <a:p>
+            <a:pPr lvl="1"/>
+            <a:r>
+              <a:rPr lang="en-US" dirty="0"/>
+              <a:t>Console application</a:t>
+            </a:r>
+          </a:p>
+          <a:p>
             <a:r>
               <a:rPr lang="en-US" dirty="0"/>
               <a:t>New program to edit labels</a:t>
             </a:r>
-          </a:p>
-          <a:p>
-            <a:endParaRPr lang="nl-NL" dirty="0"/>
           </a:p>
         </p:txBody>
       </p:sp>
@@ -7406,7 +7412,7 @@
             </a:pPr>
             <a:r>
               <a:rPr lang="en-US" dirty="0"/>
-              <a:t>In the end of my internship I can create write good and automatic tests.</a:t>
+              <a:t>In the end of my internship I can write good and automatic tests.</a:t>
             </a:r>
           </a:p>
           <a:p>

--- a/Presentation/Internship_Oscar_Veldman.pptx
+++ b/Presentation/Internship_Oscar_Veldman.pptx
@@ -6681,6 +6681,12 @@
               <a:rPr lang="en-US" dirty="0"/>
               <a:t>Testing</a:t>
             </a:r>
+          </a:p>
+          <a:p>
+            <a:r>
+              <a:rPr lang="en-US" dirty="0"/>
+              <a:t>Demo</a:t>
+            </a:r>
             <a:endParaRPr lang="nl-NL" dirty="0"/>
           </a:p>
         </p:txBody>

--- a/Presentation/Internship_Oscar_Veldman.pptx
+++ b/Presentation/Internship_Oscar_Veldman.pptx
@@ -6386,8 +6386,8 @@
         </p:blipFill>
         <p:spPr>
           <a:xfrm>
-            <a:off x="2933258" y="2729500"/>
-            <a:ext cx="6325483" cy="2953162"/>
+            <a:off x="3122629" y="2664934"/>
+            <a:ext cx="5445299" cy="3218896"/>
           </a:xfrm>
         </p:spPr>
       </p:pic>
